--- a/documentation/Graphical Outputs of the Text Tools.pptx
+++ b/documentation/Graphical Outputs of the Text Tools.pptx
@@ -7,17 +7,18 @@
     <p:sldMasterId id="2147483652" r:id="rId3"/>
   </p:sldMasterIdLst>
   <p:notesMasterIdLst>
-    <p:notesMasterId r:id="rId12"/>
+    <p:notesMasterId r:id="rId13"/>
   </p:notesMasterIdLst>
   <p:sldIdLst>
     <p:sldId id="259" r:id="rId4"/>
-    <p:sldId id="269" r:id="rId5"/>
-    <p:sldId id="270" r:id="rId6"/>
-    <p:sldId id="272" r:id="rId7"/>
-    <p:sldId id="271" r:id="rId8"/>
-    <p:sldId id="273" r:id="rId9"/>
-    <p:sldId id="263" r:id="rId10"/>
-    <p:sldId id="257" r:id="rId11"/>
+    <p:sldId id="274" r:id="rId5"/>
+    <p:sldId id="269" r:id="rId6"/>
+    <p:sldId id="270" r:id="rId7"/>
+    <p:sldId id="272" r:id="rId8"/>
+    <p:sldId id="271" r:id="rId9"/>
+    <p:sldId id="273" r:id="rId10"/>
+    <p:sldId id="263" r:id="rId11"/>
+    <p:sldId id="257" r:id="rId12"/>
   </p:sldIdLst>
   <p:sldSz cx="9144000" cy="6858000" type="screen4x3"/>
   <p:notesSz cx="6858000" cy="9144000"/>
@@ -217,7 +218,7 @@
           <a:p>
             <a:fld id="{9E37E260-6440-4804-B65E-C0FDFD91F4D0}" type="datetimeFigureOut">
               <a:rPr lang="en-US" smtClean="0"/>
-              <a:t>6/14/2017</a:t>
+              <a:t>8/28/2017</a:t>
             </a:fld>
             <a:endParaRPr lang="en-US"/>
           </a:p>
@@ -617,7 +618,7 @@
           <a:p>
             <a:fld id="{E0A55718-353C-43EE-BEC1-920DBE6DAFBA}" type="slidenum">
               <a:rPr lang="en-US" smtClean="0"/>
-              <a:t>2</a:t>
+              <a:t>3</a:t>
             </a:fld>
             <a:endParaRPr lang="en-US"/>
           </a:p>
@@ -886,7 +887,7 @@
           <a:p>
             <a:fld id="{E0A55718-353C-43EE-BEC1-920DBE6DAFBA}" type="slidenum">
               <a:rPr lang="en-US" smtClean="0"/>
-              <a:t>3</a:t>
+              <a:t>4</a:t>
             </a:fld>
             <a:endParaRPr lang="en-US"/>
           </a:p>
@@ -1002,7 +1003,7 @@
           <a:p>
             <a:fld id="{E0A55718-353C-43EE-BEC1-920DBE6DAFBA}" type="slidenum">
               <a:rPr lang="en-US" smtClean="0"/>
-              <a:t>4</a:t>
+              <a:t>5</a:t>
             </a:fld>
             <a:endParaRPr lang="en-US"/>
           </a:p>
@@ -1118,7 +1119,7 @@
           <a:p>
             <a:fld id="{E0A55718-353C-43EE-BEC1-920DBE6DAFBA}" type="slidenum">
               <a:rPr lang="en-US" smtClean="0"/>
-              <a:t>5</a:t>
+              <a:t>6</a:t>
             </a:fld>
             <a:endParaRPr lang="en-US"/>
           </a:p>
@@ -1259,7 +1260,7 @@
           <a:p>
             <a:fld id="{E0A55718-353C-43EE-BEC1-920DBE6DAFBA}" type="slidenum">
               <a:rPr lang="en-US" smtClean="0"/>
-              <a:t>6</a:t>
+              <a:t>7</a:t>
             </a:fld>
             <a:endParaRPr lang="en-US"/>
           </a:p>
@@ -1375,7 +1376,7 @@
           <a:p>
             <a:fld id="{E0A55718-353C-43EE-BEC1-920DBE6DAFBA}" type="slidenum">
               <a:rPr lang="en-US" smtClean="0"/>
-              <a:t>8</a:t>
+              <a:t>9</a:t>
             </a:fld>
             <a:endParaRPr lang="en-US"/>
           </a:p>
@@ -5997,383 +5998,68 @@
           <a:lstStyle/>
           <a:p>
             <a:r>
-              <a:rPr lang="en-US" dirty="0" smtClean="0">
-                <a:solidFill>
-                  <a:schemeClr val="accent3"/>
-                </a:solidFill>
-                <a:latin typeface="Trebuchet MS" panose="020B0603020202020204" pitchFamily="34" charset="0"/>
-              </a:rPr>
-              <a:t>Plotting the five most common words across many documents:</a:t>
-            </a:r>
-            <a:endParaRPr lang="en-US" dirty="0">
-              <a:solidFill>
-                <a:schemeClr val="accent3"/>
-              </a:solidFill>
-              <a:latin typeface="Trebuchet MS" panose="020B0603020202020204" pitchFamily="34" charset="0"/>
-            </a:endParaRPr>
+              <a:rPr lang="en-US" dirty="0" smtClean="0"/>
+              <a:t>Audience and Purpose</a:t>
+            </a:r>
+            <a:endParaRPr lang="en-US" dirty="0"/>
           </a:p>
         </p:txBody>
       </p:sp>
       <p:sp>
         <p:nvSpPr>
-          <p:cNvPr id="5" name="Text Placeholder 2"/>
-          <p:cNvSpPr txBox="1">
-            <a:spLocks/>
+          <p:cNvPr id="3" name="Text Placeholder 2"/>
+          <p:cNvSpPr>
+            <a:spLocks noGrp="1"/>
           </p:cNvSpPr>
-          <p:nvPr/>
+          <p:nvPr>
+            <p:ph type="body" sz="quarter" idx="11"/>
+          </p:nvPr>
         </p:nvSpPr>
-        <p:spPr>
-          <a:xfrm>
-            <a:off x="671757" y="4527868"/>
-            <a:ext cx="8197114" cy="3810086"/>
-          </a:xfrm>
-          <a:prstGeom prst="rect">
-            <a:avLst/>
-          </a:prstGeom>
-        </p:spPr>
+        <p:spPr/>
         <p:txBody>
           <a:bodyPr/>
-          <a:lstStyle>
-            <a:lvl1pPr marL="342900" indent="-342900" algn="l" defTabSz="457200" rtl="0" eaLnBrk="1" latinLnBrk="0" hangingPunct="1">
-              <a:spcBef>
-                <a:spcPct val="20000"/>
-              </a:spcBef>
-              <a:buFont typeface="Lucida Grande"/>
-              <a:buChar char="&gt;"/>
-              <a:defRPr sz="2400" b="1" i="0" kern="1200" baseline="0">
-                <a:solidFill>
-                  <a:schemeClr val="tx1"/>
-                </a:solidFill>
-                <a:latin typeface="Open Sans"/>
-                <a:ea typeface="+mn-ea"/>
-                <a:cs typeface="Open Sans"/>
-              </a:defRPr>
-            </a:lvl1pPr>
-            <a:lvl2pPr marL="742950" indent="-285750" algn="l" defTabSz="457200" rtl="0" eaLnBrk="1" latinLnBrk="0" hangingPunct="1">
-              <a:spcBef>
-                <a:spcPct val="20000"/>
-              </a:spcBef>
-              <a:buFont typeface="Arial"/>
-              <a:buChar char="–"/>
-              <a:defRPr sz="2000" b="1" i="0" kern="1200" baseline="0">
-                <a:solidFill>
-                  <a:schemeClr val="tx1"/>
-                </a:solidFill>
-                <a:latin typeface="Open Sans"/>
-                <a:ea typeface="+mn-ea"/>
-                <a:cs typeface="Open Sans"/>
-              </a:defRPr>
-            </a:lvl2pPr>
-            <a:lvl3pPr marL="1143000" indent="-228600" algn="l" defTabSz="457200" rtl="0" eaLnBrk="1" latinLnBrk="0" hangingPunct="1">
-              <a:spcBef>
-                <a:spcPct val="20000"/>
-              </a:spcBef>
-              <a:buSzPct val="100000"/>
-              <a:buFont typeface="Lucida Grande"/>
-              <a:buChar char="&gt;"/>
-              <a:defRPr sz="1800" b="1" i="0" kern="1200" baseline="0">
-                <a:solidFill>
-                  <a:schemeClr val="tx1"/>
-                </a:solidFill>
-                <a:latin typeface="Open Sans"/>
-                <a:ea typeface="+mn-ea"/>
-                <a:cs typeface="Open Sans"/>
-              </a:defRPr>
-            </a:lvl3pPr>
-            <a:lvl4pPr marL="1600200" indent="-228600" algn="l" defTabSz="457200" rtl="0" eaLnBrk="1" latinLnBrk="0" hangingPunct="1">
-              <a:spcBef>
-                <a:spcPct val="20000"/>
-              </a:spcBef>
-              <a:buFont typeface="Arial"/>
-              <a:buChar char="–"/>
-              <a:defRPr sz="1600" b="1" i="0" kern="1200" baseline="0">
-                <a:solidFill>
-                  <a:schemeClr val="tx1"/>
-                </a:solidFill>
-                <a:latin typeface="Open Sans"/>
-                <a:ea typeface="+mn-ea"/>
-                <a:cs typeface="Open Sans"/>
-              </a:defRPr>
-            </a:lvl4pPr>
-            <a:lvl5pPr marL="2057400" indent="-228600" algn="l" defTabSz="457200" rtl="0" eaLnBrk="1" latinLnBrk="0" hangingPunct="1">
-              <a:spcBef>
-                <a:spcPct val="20000"/>
-              </a:spcBef>
-              <a:buFont typeface="Lucida Grande"/>
-              <a:buChar char="&gt;"/>
-              <a:defRPr sz="1400" b="1" i="0" kern="1200" baseline="0">
-                <a:solidFill>
-                  <a:schemeClr val="tx1"/>
-                </a:solidFill>
-                <a:latin typeface="Open Sans"/>
-                <a:ea typeface="+mn-ea"/>
-                <a:cs typeface="Open Sans"/>
-              </a:defRPr>
-            </a:lvl5pPr>
-            <a:lvl6pPr marL="2514600" indent="-228600" algn="l" defTabSz="457200" rtl="0" eaLnBrk="1" latinLnBrk="0" hangingPunct="1">
-              <a:spcBef>
-                <a:spcPct val="20000"/>
-              </a:spcBef>
-              <a:buFont typeface="Arial"/>
-              <a:buChar char="•"/>
-              <a:defRPr sz="2000" kern="1200">
-                <a:solidFill>
-                  <a:schemeClr val="tx1"/>
-                </a:solidFill>
-                <a:latin typeface="+mn-lt"/>
-                <a:ea typeface="+mn-ea"/>
-                <a:cs typeface="+mn-cs"/>
-              </a:defRPr>
-            </a:lvl6pPr>
-            <a:lvl7pPr marL="2971800" indent="-228600" algn="l" defTabSz="457200" rtl="0" eaLnBrk="1" latinLnBrk="0" hangingPunct="1">
-              <a:spcBef>
-                <a:spcPct val="20000"/>
-              </a:spcBef>
-              <a:buFont typeface="Arial"/>
-              <a:buChar char="•"/>
-              <a:defRPr sz="2000" kern="1200">
-                <a:solidFill>
-                  <a:schemeClr val="tx1"/>
-                </a:solidFill>
-                <a:latin typeface="+mn-lt"/>
-                <a:ea typeface="+mn-ea"/>
-                <a:cs typeface="+mn-cs"/>
-              </a:defRPr>
-            </a:lvl7pPr>
-            <a:lvl8pPr marL="3429000" indent="-228600" algn="l" defTabSz="457200" rtl="0" eaLnBrk="1" latinLnBrk="0" hangingPunct="1">
-              <a:spcBef>
-                <a:spcPct val="20000"/>
-              </a:spcBef>
-              <a:buFont typeface="Arial"/>
-              <a:buChar char="•"/>
-              <a:defRPr sz="2000" kern="1200">
-                <a:solidFill>
-                  <a:schemeClr val="tx1"/>
-                </a:solidFill>
-                <a:latin typeface="+mn-lt"/>
-                <a:ea typeface="+mn-ea"/>
-                <a:cs typeface="+mn-cs"/>
-              </a:defRPr>
-            </a:lvl8pPr>
-            <a:lvl9pPr marL="3886200" indent="-228600" algn="l" defTabSz="457200" rtl="0" eaLnBrk="1" latinLnBrk="0" hangingPunct="1">
-              <a:spcBef>
-                <a:spcPct val="20000"/>
-              </a:spcBef>
-              <a:buFont typeface="Arial"/>
-              <a:buChar char="•"/>
-              <a:defRPr sz="2000" kern="1200">
-                <a:solidFill>
-                  <a:schemeClr val="tx1"/>
-                </a:solidFill>
-                <a:latin typeface="+mn-lt"/>
-                <a:ea typeface="+mn-ea"/>
-                <a:cs typeface="+mn-cs"/>
-              </a:defRPr>
-            </a:lvl9pPr>
-          </a:lstStyle>
-          <a:p>
-            <a:endParaRPr lang="en-US" dirty="0" smtClean="0">
-              <a:latin typeface="Trebuchet MS" panose="020B0603020202020204" pitchFamily="34" charset="0"/>
-            </a:endParaRPr>
+          <a:lstStyle/>
+          <a:p>
+            <a:r>
+              <a:rPr lang="en-US" dirty="0" smtClean="0"/>
+              <a:t>This slide deck is aimed at people who want to understand what this toolset does without knowing exactly how to use it. </a:t>
+            </a:r>
+          </a:p>
+          <a:p>
+            <a:pPr marL="0" indent="0">
+              <a:buNone/>
+            </a:pPr>
+            <a:endParaRPr lang="en-US" dirty="0"/>
           </a:p>
         </p:txBody>
       </p:sp>
       <p:sp>
         <p:nvSpPr>
-          <p:cNvPr id="6" name="Text Placeholder 3"/>
-          <p:cNvSpPr txBox="1">
-            <a:spLocks/>
+          <p:cNvPr id="4" name="Text Placeholder 3"/>
+          <p:cNvSpPr>
+            <a:spLocks noGrp="1"/>
           </p:cNvSpPr>
-          <p:nvPr/>
+          <p:nvPr>
+            <p:ph type="body" sz="quarter" idx="12"/>
+          </p:nvPr>
         </p:nvSpPr>
-        <p:spPr>
-          <a:xfrm>
-            <a:off x="664271" y="4765220"/>
-            <a:ext cx="8184662" cy="411171"/>
-          </a:xfrm>
-          <a:prstGeom prst="rect">
-            <a:avLst/>
-          </a:prstGeom>
-        </p:spPr>
+        <p:spPr/>
         <p:txBody>
-          <a:bodyPr>
-            <a:noAutofit/>
-          </a:bodyPr>
-          <a:lstStyle>
-            <a:lvl1pPr marL="0" indent="0" algn="l" defTabSz="457200" rtl="0" eaLnBrk="1" latinLnBrk="0" hangingPunct="1">
-              <a:lnSpc>
-                <a:spcPct val="90000"/>
-              </a:lnSpc>
-              <a:spcBef>
-                <a:spcPct val="20000"/>
-              </a:spcBef>
-              <a:buFont typeface="Arial"/>
-              <a:buNone/>
-              <a:defRPr sz="2400" b="0" i="0" kern="1200" baseline="0">
-                <a:solidFill>
-                  <a:schemeClr val="tx1"/>
-                </a:solidFill>
-                <a:latin typeface="Uni Sans Regular"/>
-                <a:ea typeface="+mn-ea"/>
-                <a:cs typeface="Uni Sans Regular"/>
-              </a:defRPr>
-            </a:lvl1pPr>
-            <a:lvl2pPr marL="457200" indent="0" algn="l" defTabSz="457200" rtl="0" eaLnBrk="1" latinLnBrk="0" hangingPunct="1">
-              <a:spcBef>
-                <a:spcPct val="20000"/>
-              </a:spcBef>
-              <a:buFont typeface="Arial"/>
-              <a:buNone/>
-              <a:defRPr sz="2800" b="0" i="0" kern="1200">
-                <a:solidFill>
-                  <a:srgbClr val="E8D3A2"/>
-                </a:solidFill>
-                <a:latin typeface="Encode Sans Normal Black"/>
-                <a:ea typeface="+mn-ea"/>
-                <a:cs typeface="Encode Sans Normal Black"/>
-              </a:defRPr>
-            </a:lvl2pPr>
-            <a:lvl3pPr marL="914400" indent="0" algn="l" defTabSz="457200" rtl="0" eaLnBrk="1" latinLnBrk="0" hangingPunct="1">
-              <a:spcBef>
-                <a:spcPct val="20000"/>
-              </a:spcBef>
-              <a:buFont typeface="Arial"/>
-              <a:buNone/>
-              <a:defRPr sz="2400" b="0" i="0" kern="1200">
-                <a:solidFill>
-                  <a:srgbClr val="E8D3A2"/>
-                </a:solidFill>
-                <a:latin typeface="Encode Sans Normal Black"/>
-                <a:ea typeface="+mn-ea"/>
-                <a:cs typeface="Encode Sans Normal Black"/>
-              </a:defRPr>
-            </a:lvl3pPr>
-            <a:lvl4pPr marL="1371600" indent="0" algn="l" defTabSz="457200" rtl="0" eaLnBrk="1" latinLnBrk="0" hangingPunct="1">
-              <a:spcBef>
-                <a:spcPct val="20000"/>
-              </a:spcBef>
-              <a:buFont typeface="Arial"/>
-              <a:buNone/>
-              <a:defRPr sz="2000" b="0" i="0" kern="1200">
-                <a:solidFill>
-                  <a:srgbClr val="E8D3A2"/>
-                </a:solidFill>
-                <a:latin typeface="Encode Sans Normal Black"/>
-                <a:ea typeface="+mn-ea"/>
-                <a:cs typeface="Encode Sans Normal Black"/>
-              </a:defRPr>
-            </a:lvl4pPr>
-            <a:lvl5pPr marL="1828800" indent="0" algn="l" defTabSz="457200" rtl="0" eaLnBrk="1" latinLnBrk="0" hangingPunct="1">
-              <a:spcBef>
-                <a:spcPct val="20000"/>
-              </a:spcBef>
-              <a:buFont typeface="Arial"/>
-              <a:buNone/>
-              <a:defRPr sz="2000" b="0" i="0" kern="1200">
-                <a:solidFill>
-                  <a:srgbClr val="E8D3A2"/>
-                </a:solidFill>
-                <a:latin typeface="Encode Sans Normal Black"/>
-                <a:ea typeface="+mn-ea"/>
-                <a:cs typeface="Encode Sans Normal Black"/>
-              </a:defRPr>
-            </a:lvl5pPr>
-            <a:lvl6pPr marL="2514600" indent="-228600" algn="l" defTabSz="457200" rtl="0" eaLnBrk="1" latinLnBrk="0" hangingPunct="1">
-              <a:spcBef>
-                <a:spcPct val="20000"/>
-              </a:spcBef>
-              <a:buFont typeface="Arial"/>
-              <a:buChar char="•"/>
-              <a:defRPr sz="2000" kern="1200">
-                <a:solidFill>
-                  <a:schemeClr val="tx1"/>
-                </a:solidFill>
-                <a:latin typeface="+mn-lt"/>
-                <a:ea typeface="+mn-ea"/>
-                <a:cs typeface="+mn-cs"/>
-              </a:defRPr>
-            </a:lvl6pPr>
-            <a:lvl7pPr marL="2971800" indent="-228600" algn="l" defTabSz="457200" rtl="0" eaLnBrk="1" latinLnBrk="0" hangingPunct="1">
-              <a:spcBef>
-                <a:spcPct val="20000"/>
-              </a:spcBef>
-              <a:buFont typeface="Arial"/>
-              <a:buChar char="•"/>
-              <a:defRPr sz="2000" kern="1200">
-                <a:solidFill>
-                  <a:schemeClr val="tx1"/>
-                </a:solidFill>
-                <a:latin typeface="+mn-lt"/>
-                <a:ea typeface="+mn-ea"/>
-                <a:cs typeface="+mn-cs"/>
-              </a:defRPr>
-            </a:lvl7pPr>
-            <a:lvl8pPr marL="3429000" indent="-228600" algn="l" defTabSz="457200" rtl="0" eaLnBrk="1" latinLnBrk="0" hangingPunct="1">
-              <a:spcBef>
-                <a:spcPct val="20000"/>
-              </a:spcBef>
-              <a:buFont typeface="Arial"/>
-              <a:buChar char="•"/>
-              <a:defRPr sz="2000" kern="1200">
-                <a:solidFill>
-                  <a:schemeClr val="tx1"/>
-                </a:solidFill>
-                <a:latin typeface="+mn-lt"/>
-                <a:ea typeface="+mn-ea"/>
-                <a:cs typeface="+mn-cs"/>
-              </a:defRPr>
-            </a:lvl8pPr>
-            <a:lvl9pPr marL="3886200" indent="-228600" algn="l" defTabSz="457200" rtl="0" eaLnBrk="1" latinLnBrk="0" hangingPunct="1">
-              <a:spcBef>
-                <a:spcPct val="20000"/>
-              </a:spcBef>
-              <a:buFont typeface="Arial"/>
-              <a:buChar char="•"/>
-              <a:defRPr sz="2000" kern="1200">
-                <a:solidFill>
-                  <a:schemeClr val="tx1"/>
-                </a:solidFill>
-                <a:latin typeface="+mn-lt"/>
-                <a:ea typeface="+mn-ea"/>
-                <a:cs typeface="+mn-cs"/>
-              </a:defRPr>
-            </a:lvl9pPr>
-          </a:lstStyle>
-          <a:p>
-            <a:endParaRPr lang="en-US" dirty="0">
-              <a:latin typeface="Trebuchet MS" panose="020B0603020202020204" pitchFamily="34" charset="0"/>
-            </a:endParaRPr>
+          <a:bodyPr/>
+          <a:lstStyle/>
+          <a:p>
+            <a:r>
+              <a:rPr lang="en-US" dirty="0" smtClean="0"/>
+              <a:t>Audience: Managers and new users</a:t>
+            </a:r>
+            <a:endParaRPr lang="en-US" dirty="0"/>
           </a:p>
         </p:txBody>
       </p:sp>
-      <p:pic>
-        <p:nvPicPr>
-          <p:cNvPr id="4" name="Picture 3"/>
-          <p:cNvPicPr>
-            <a:picLocks noChangeAspect="1"/>
-          </p:cNvPicPr>
-          <p:nvPr/>
-        </p:nvPicPr>
-        <p:blipFill>
-          <a:blip r:embed="rId3"/>
-          <a:stretch>
-            <a:fillRect/>
-          </a:stretch>
-        </p:blipFill>
-        <p:spPr>
-          <a:xfrm>
-            <a:off x="766354" y="1521013"/>
-            <a:ext cx="5590902" cy="4532270"/>
-          </a:xfrm>
-          <a:prstGeom prst="rect">
-            <a:avLst/>
-          </a:prstGeom>
-        </p:spPr>
-      </p:pic>
     </p:spTree>
     <p:extLst>
       <p:ext uri="{BB962C8B-B14F-4D97-AF65-F5344CB8AC3E}">
-        <p14:creationId xmlns:p14="http://schemas.microsoft.com/office/powerpoint/2010/main" val="1736996616"/>
+        <p14:creationId xmlns:p14="http://schemas.microsoft.com/office/powerpoint/2010/main" val="2401200906"/>
       </p:ext>
     </p:extLst>
   </p:cSld>
@@ -6422,8 +6108,418 @@
                 </a:solidFill>
                 <a:latin typeface="Trebuchet MS" panose="020B0603020202020204" pitchFamily="34" charset="0"/>
               </a:rPr>
-              <a:t>Plotting the density of chosen words across </a:t>
-            </a:r>
+              <a:t>Plotting the five most common words across many documents:</a:t>
+            </a:r>
+            <a:endParaRPr lang="en-US" dirty="0">
+              <a:solidFill>
+                <a:schemeClr val="accent3"/>
+              </a:solidFill>
+              <a:latin typeface="Trebuchet MS" panose="020B0603020202020204" pitchFamily="34" charset="0"/>
+            </a:endParaRPr>
+          </a:p>
+        </p:txBody>
+      </p:sp>
+      <p:sp>
+        <p:nvSpPr>
+          <p:cNvPr id="5" name="Text Placeholder 2"/>
+          <p:cNvSpPr txBox="1">
+            <a:spLocks/>
+          </p:cNvSpPr>
+          <p:nvPr/>
+        </p:nvSpPr>
+        <p:spPr>
+          <a:xfrm>
+            <a:off x="671757" y="4527868"/>
+            <a:ext cx="8197114" cy="3810086"/>
+          </a:xfrm>
+          <a:prstGeom prst="rect">
+            <a:avLst/>
+          </a:prstGeom>
+        </p:spPr>
+        <p:txBody>
+          <a:bodyPr/>
+          <a:lstStyle>
+            <a:lvl1pPr marL="342900" indent="-342900" algn="l" defTabSz="457200" rtl="0" eaLnBrk="1" latinLnBrk="0" hangingPunct="1">
+              <a:spcBef>
+                <a:spcPct val="20000"/>
+              </a:spcBef>
+              <a:buFont typeface="Lucida Grande"/>
+              <a:buChar char="&gt;"/>
+              <a:defRPr sz="2400" b="1" i="0" kern="1200" baseline="0">
+                <a:solidFill>
+                  <a:schemeClr val="tx1"/>
+                </a:solidFill>
+                <a:latin typeface="Open Sans"/>
+                <a:ea typeface="+mn-ea"/>
+                <a:cs typeface="Open Sans"/>
+              </a:defRPr>
+            </a:lvl1pPr>
+            <a:lvl2pPr marL="742950" indent="-285750" algn="l" defTabSz="457200" rtl="0" eaLnBrk="1" latinLnBrk="0" hangingPunct="1">
+              <a:spcBef>
+                <a:spcPct val="20000"/>
+              </a:spcBef>
+              <a:buFont typeface="Arial"/>
+              <a:buChar char="–"/>
+              <a:defRPr sz="2000" b="1" i="0" kern="1200" baseline="0">
+                <a:solidFill>
+                  <a:schemeClr val="tx1"/>
+                </a:solidFill>
+                <a:latin typeface="Open Sans"/>
+                <a:ea typeface="+mn-ea"/>
+                <a:cs typeface="Open Sans"/>
+              </a:defRPr>
+            </a:lvl2pPr>
+            <a:lvl3pPr marL="1143000" indent="-228600" algn="l" defTabSz="457200" rtl="0" eaLnBrk="1" latinLnBrk="0" hangingPunct="1">
+              <a:spcBef>
+                <a:spcPct val="20000"/>
+              </a:spcBef>
+              <a:buSzPct val="100000"/>
+              <a:buFont typeface="Lucida Grande"/>
+              <a:buChar char="&gt;"/>
+              <a:defRPr sz="1800" b="1" i="0" kern="1200" baseline="0">
+                <a:solidFill>
+                  <a:schemeClr val="tx1"/>
+                </a:solidFill>
+                <a:latin typeface="Open Sans"/>
+                <a:ea typeface="+mn-ea"/>
+                <a:cs typeface="Open Sans"/>
+              </a:defRPr>
+            </a:lvl3pPr>
+            <a:lvl4pPr marL="1600200" indent="-228600" algn="l" defTabSz="457200" rtl="0" eaLnBrk="1" latinLnBrk="0" hangingPunct="1">
+              <a:spcBef>
+                <a:spcPct val="20000"/>
+              </a:spcBef>
+              <a:buFont typeface="Arial"/>
+              <a:buChar char="–"/>
+              <a:defRPr sz="1600" b="1" i="0" kern="1200" baseline="0">
+                <a:solidFill>
+                  <a:schemeClr val="tx1"/>
+                </a:solidFill>
+                <a:latin typeface="Open Sans"/>
+                <a:ea typeface="+mn-ea"/>
+                <a:cs typeface="Open Sans"/>
+              </a:defRPr>
+            </a:lvl4pPr>
+            <a:lvl5pPr marL="2057400" indent="-228600" algn="l" defTabSz="457200" rtl="0" eaLnBrk="1" latinLnBrk="0" hangingPunct="1">
+              <a:spcBef>
+                <a:spcPct val="20000"/>
+              </a:spcBef>
+              <a:buFont typeface="Lucida Grande"/>
+              <a:buChar char="&gt;"/>
+              <a:defRPr sz="1400" b="1" i="0" kern="1200" baseline="0">
+                <a:solidFill>
+                  <a:schemeClr val="tx1"/>
+                </a:solidFill>
+                <a:latin typeface="Open Sans"/>
+                <a:ea typeface="+mn-ea"/>
+                <a:cs typeface="Open Sans"/>
+              </a:defRPr>
+            </a:lvl5pPr>
+            <a:lvl6pPr marL="2514600" indent="-228600" algn="l" defTabSz="457200" rtl="0" eaLnBrk="1" latinLnBrk="0" hangingPunct="1">
+              <a:spcBef>
+                <a:spcPct val="20000"/>
+              </a:spcBef>
+              <a:buFont typeface="Arial"/>
+              <a:buChar char="•"/>
+              <a:defRPr sz="2000" kern="1200">
+                <a:solidFill>
+                  <a:schemeClr val="tx1"/>
+                </a:solidFill>
+                <a:latin typeface="+mn-lt"/>
+                <a:ea typeface="+mn-ea"/>
+                <a:cs typeface="+mn-cs"/>
+              </a:defRPr>
+            </a:lvl6pPr>
+            <a:lvl7pPr marL="2971800" indent="-228600" algn="l" defTabSz="457200" rtl="0" eaLnBrk="1" latinLnBrk="0" hangingPunct="1">
+              <a:spcBef>
+                <a:spcPct val="20000"/>
+              </a:spcBef>
+              <a:buFont typeface="Arial"/>
+              <a:buChar char="•"/>
+              <a:defRPr sz="2000" kern="1200">
+                <a:solidFill>
+                  <a:schemeClr val="tx1"/>
+                </a:solidFill>
+                <a:latin typeface="+mn-lt"/>
+                <a:ea typeface="+mn-ea"/>
+                <a:cs typeface="+mn-cs"/>
+              </a:defRPr>
+            </a:lvl7pPr>
+            <a:lvl8pPr marL="3429000" indent="-228600" algn="l" defTabSz="457200" rtl="0" eaLnBrk="1" latinLnBrk="0" hangingPunct="1">
+              <a:spcBef>
+                <a:spcPct val="20000"/>
+              </a:spcBef>
+              <a:buFont typeface="Arial"/>
+              <a:buChar char="•"/>
+              <a:defRPr sz="2000" kern="1200">
+                <a:solidFill>
+                  <a:schemeClr val="tx1"/>
+                </a:solidFill>
+                <a:latin typeface="+mn-lt"/>
+                <a:ea typeface="+mn-ea"/>
+                <a:cs typeface="+mn-cs"/>
+              </a:defRPr>
+            </a:lvl8pPr>
+            <a:lvl9pPr marL="3886200" indent="-228600" algn="l" defTabSz="457200" rtl="0" eaLnBrk="1" latinLnBrk="0" hangingPunct="1">
+              <a:spcBef>
+                <a:spcPct val="20000"/>
+              </a:spcBef>
+              <a:buFont typeface="Arial"/>
+              <a:buChar char="•"/>
+              <a:defRPr sz="2000" kern="1200">
+                <a:solidFill>
+                  <a:schemeClr val="tx1"/>
+                </a:solidFill>
+                <a:latin typeface="+mn-lt"/>
+                <a:ea typeface="+mn-ea"/>
+                <a:cs typeface="+mn-cs"/>
+              </a:defRPr>
+            </a:lvl9pPr>
+          </a:lstStyle>
+          <a:p>
+            <a:endParaRPr lang="en-US" dirty="0" smtClean="0">
+              <a:latin typeface="Trebuchet MS" panose="020B0603020202020204" pitchFamily="34" charset="0"/>
+            </a:endParaRPr>
+          </a:p>
+        </p:txBody>
+      </p:sp>
+      <p:sp>
+        <p:nvSpPr>
+          <p:cNvPr id="6" name="Text Placeholder 3"/>
+          <p:cNvSpPr txBox="1">
+            <a:spLocks/>
+          </p:cNvSpPr>
+          <p:nvPr/>
+        </p:nvSpPr>
+        <p:spPr>
+          <a:xfrm>
+            <a:off x="664271" y="4765220"/>
+            <a:ext cx="8184662" cy="411171"/>
+          </a:xfrm>
+          <a:prstGeom prst="rect">
+            <a:avLst/>
+          </a:prstGeom>
+        </p:spPr>
+        <p:txBody>
+          <a:bodyPr>
+            <a:noAutofit/>
+          </a:bodyPr>
+          <a:lstStyle>
+            <a:lvl1pPr marL="0" indent="0" algn="l" defTabSz="457200" rtl="0" eaLnBrk="1" latinLnBrk="0" hangingPunct="1">
+              <a:lnSpc>
+                <a:spcPct val="90000"/>
+              </a:lnSpc>
+              <a:spcBef>
+                <a:spcPct val="20000"/>
+              </a:spcBef>
+              <a:buFont typeface="Arial"/>
+              <a:buNone/>
+              <a:defRPr sz="2400" b="0" i="0" kern="1200" baseline="0">
+                <a:solidFill>
+                  <a:schemeClr val="tx1"/>
+                </a:solidFill>
+                <a:latin typeface="Uni Sans Regular"/>
+                <a:ea typeface="+mn-ea"/>
+                <a:cs typeface="Uni Sans Regular"/>
+              </a:defRPr>
+            </a:lvl1pPr>
+            <a:lvl2pPr marL="457200" indent="0" algn="l" defTabSz="457200" rtl="0" eaLnBrk="1" latinLnBrk="0" hangingPunct="1">
+              <a:spcBef>
+                <a:spcPct val="20000"/>
+              </a:spcBef>
+              <a:buFont typeface="Arial"/>
+              <a:buNone/>
+              <a:defRPr sz="2800" b="0" i="0" kern="1200">
+                <a:solidFill>
+                  <a:srgbClr val="E8D3A2"/>
+                </a:solidFill>
+                <a:latin typeface="Encode Sans Normal Black"/>
+                <a:ea typeface="+mn-ea"/>
+                <a:cs typeface="Encode Sans Normal Black"/>
+              </a:defRPr>
+            </a:lvl2pPr>
+            <a:lvl3pPr marL="914400" indent="0" algn="l" defTabSz="457200" rtl="0" eaLnBrk="1" latinLnBrk="0" hangingPunct="1">
+              <a:spcBef>
+                <a:spcPct val="20000"/>
+              </a:spcBef>
+              <a:buFont typeface="Arial"/>
+              <a:buNone/>
+              <a:defRPr sz="2400" b="0" i="0" kern="1200">
+                <a:solidFill>
+                  <a:srgbClr val="E8D3A2"/>
+                </a:solidFill>
+                <a:latin typeface="Encode Sans Normal Black"/>
+                <a:ea typeface="+mn-ea"/>
+                <a:cs typeface="Encode Sans Normal Black"/>
+              </a:defRPr>
+            </a:lvl3pPr>
+            <a:lvl4pPr marL="1371600" indent="0" algn="l" defTabSz="457200" rtl="0" eaLnBrk="1" latinLnBrk="0" hangingPunct="1">
+              <a:spcBef>
+                <a:spcPct val="20000"/>
+              </a:spcBef>
+              <a:buFont typeface="Arial"/>
+              <a:buNone/>
+              <a:defRPr sz="2000" b="0" i="0" kern="1200">
+                <a:solidFill>
+                  <a:srgbClr val="E8D3A2"/>
+                </a:solidFill>
+                <a:latin typeface="Encode Sans Normal Black"/>
+                <a:ea typeface="+mn-ea"/>
+                <a:cs typeface="Encode Sans Normal Black"/>
+              </a:defRPr>
+            </a:lvl4pPr>
+            <a:lvl5pPr marL="1828800" indent="0" algn="l" defTabSz="457200" rtl="0" eaLnBrk="1" latinLnBrk="0" hangingPunct="1">
+              <a:spcBef>
+                <a:spcPct val="20000"/>
+              </a:spcBef>
+              <a:buFont typeface="Arial"/>
+              <a:buNone/>
+              <a:defRPr sz="2000" b="0" i="0" kern="1200">
+                <a:solidFill>
+                  <a:srgbClr val="E8D3A2"/>
+                </a:solidFill>
+                <a:latin typeface="Encode Sans Normal Black"/>
+                <a:ea typeface="+mn-ea"/>
+                <a:cs typeface="Encode Sans Normal Black"/>
+              </a:defRPr>
+            </a:lvl5pPr>
+            <a:lvl6pPr marL="2514600" indent="-228600" algn="l" defTabSz="457200" rtl="0" eaLnBrk="1" latinLnBrk="0" hangingPunct="1">
+              <a:spcBef>
+                <a:spcPct val="20000"/>
+              </a:spcBef>
+              <a:buFont typeface="Arial"/>
+              <a:buChar char="•"/>
+              <a:defRPr sz="2000" kern="1200">
+                <a:solidFill>
+                  <a:schemeClr val="tx1"/>
+                </a:solidFill>
+                <a:latin typeface="+mn-lt"/>
+                <a:ea typeface="+mn-ea"/>
+                <a:cs typeface="+mn-cs"/>
+              </a:defRPr>
+            </a:lvl6pPr>
+            <a:lvl7pPr marL="2971800" indent="-228600" algn="l" defTabSz="457200" rtl="0" eaLnBrk="1" latinLnBrk="0" hangingPunct="1">
+              <a:spcBef>
+                <a:spcPct val="20000"/>
+              </a:spcBef>
+              <a:buFont typeface="Arial"/>
+              <a:buChar char="•"/>
+              <a:defRPr sz="2000" kern="1200">
+                <a:solidFill>
+                  <a:schemeClr val="tx1"/>
+                </a:solidFill>
+                <a:latin typeface="+mn-lt"/>
+                <a:ea typeface="+mn-ea"/>
+                <a:cs typeface="+mn-cs"/>
+              </a:defRPr>
+            </a:lvl7pPr>
+            <a:lvl8pPr marL="3429000" indent="-228600" algn="l" defTabSz="457200" rtl="0" eaLnBrk="1" latinLnBrk="0" hangingPunct="1">
+              <a:spcBef>
+                <a:spcPct val="20000"/>
+              </a:spcBef>
+              <a:buFont typeface="Arial"/>
+              <a:buChar char="•"/>
+              <a:defRPr sz="2000" kern="1200">
+                <a:solidFill>
+                  <a:schemeClr val="tx1"/>
+                </a:solidFill>
+                <a:latin typeface="+mn-lt"/>
+                <a:ea typeface="+mn-ea"/>
+                <a:cs typeface="+mn-cs"/>
+              </a:defRPr>
+            </a:lvl8pPr>
+            <a:lvl9pPr marL="3886200" indent="-228600" algn="l" defTabSz="457200" rtl="0" eaLnBrk="1" latinLnBrk="0" hangingPunct="1">
+              <a:spcBef>
+                <a:spcPct val="20000"/>
+              </a:spcBef>
+              <a:buFont typeface="Arial"/>
+              <a:buChar char="•"/>
+              <a:defRPr sz="2000" kern="1200">
+                <a:solidFill>
+                  <a:schemeClr val="tx1"/>
+                </a:solidFill>
+                <a:latin typeface="+mn-lt"/>
+                <a:ea typeface="+mn-ea"/>
+                <a:cs typeface="+mn-cs"/>
+              </a:defRPr>
+            </a:lvl9pPr>
+          </a:lstStyle>
+          <a:p>
+            <a:endParaRPr lang="en-US" dirty="0">
+              <a:latin typeface="Trebuchet MS" panose="020B0603020202020204" pitchFamily="34" charset="0"/>
+            </a:endParaRPr>
+          </a:p>
+        </p:txBody>
+      </p:sp>
+      <p:pic>
+        <p:nvPicPr>
+          <p:cNvPr id="4" name="Picture 3"/>
+          <p:cNvPicPr>
+            <a:picLocks noChangeAspect="1"/>
+          </p:cNvPicPr>
+          <p:nvPr/>
+        </p:nvPicPr>
+        <p:blipFill>
+          <a:blip r:embed="rId3"/>
+          <a:stretch>
+            <a:fillRect/>
+          </a:stretch>
+        </p:blipFill>
+        <p:spPr>
+          <a:xfrm>
+            <a:off x="766354" y="1521013"/>
+            <a:ext cx="5590902" cy="4532270"/>
+          </a:xfrm>
+          <a:prstGeom prst="rect">
+            <a:avLst/>
+          </a:prstGeom>
+        </p:spPr>
+      </p:pic>
+    </p:spTree>
+    <p:extLst>
+      <p:ext uri="{BB962C8B-B14F-4D97-AF65-F5344CB8AC3E}">
+        <p14:creationId xmlns:p14="http://schemas.microsoft.com/office/powerpoint/2010/main" val="1736996616"/>
+      </p:ext>
+    </p:extLst>
+  </p:cSld>
+  <p:clrMapOvr>
+    <a:masterClrMapping/>
+  </p:clrMapOvr>
+</p:sld>
+</file>
+
+<file path=ppt/slides/slide4.xml><?xml version="1.0" encoding="utf-8"?>
+<p:sld xmlns:a="http://schemas.openxmlformats.org/drawingml/2006/main" xmlns:r="http://schemas.openxmlformats.org/officeDocument/2006/relationships" xmlns:p="http://schemas.openxmlformats.org/presentationml/2006/main">
+  <p:cSld>
+    <p:spTree>
+      <p:nvGrpSpPr>
+        <p:cNvPr id="1" name=""/>
+        <p:cNvGrpSpPr/>
+        <p:nvPr/>
+      </p:nvGrpSpPr>
+      <p:grpSpPr>
+        <a:xfrm>
+          <a:off x="0" y="0"/>
+          <a:ext cx="0" cy="0"/>
+          <a:chOff x="0" y="0"/>
+          <a:chExt cx="0" cy="0"/>
+        </a:xfrm>
+      </p:grpSpPr>
+      <p:sp>
+        <p:nvSpPr>
+          <p:cNvPr id="2" name="Text Placeholder 1"/>
+          <p:cNvSpPr>
+            <a:spLocks noGrp="1"/>
+          </p:cNvSpPr>
+          <p:nvPr>
+            <p:ph type="body" sz="quarter" idx="10"/>
+          </p:nvPr>
+        </p:nvSpPr>
+        <p:spPr/>
+        <p:txBody>
+          <a:bodyPr/>
+          <a:lstStyle/>
+          <a:p>
             <a:r>
               <a:rPr lang="en-US" dirty="0" smtClean="0">
                 <a:solidFill>
@@ -6431,7 +6527,7 @@
                 </a:solidFill>
                 <a:latin typeface="Trebuchet MS" panose="020B0603020202020204" pitchFamily="34" charset="0"/>
               </a:rPr>
-              <a:t>many documents:</a:t>
+              <a:t>Plotting the density of chosen words across many documents:</a:t>
             </a:r>
             <a:endParaRPr lang="en-US" dirty="0">
               <a:solidFill>
@@ -6817,425 +6913,6 @@
 </p:sld>
 </file>
 
-<file path=ppt/slides/slide4.xml><?xml version="1.0" encoding="utf-8"?>
-<p:sld xmlns:a="http://schemas.openxmlformats.org/drawingml/2006/main" xmlns:r="http://schemas.openxmlformats.org/officeDocument/2006/relationships" xmlns:p="http://schemas.openxmlformats.org/presentationml/2006/main">
-  <p:cSld>
-    <p:spTree>
-      <p:nvGrpSpPr>
-        <p:cNvPr id="1" name=""/>
-        <p:cNvGrpSpPr/>
-        <p:nvPr/>
-      </p:nvGrpSpPr>
-      <p:grpSpPr>
-        <a:xfrm>
-          <a:off x="0" y="0"/>
-          <a:ext cx="0" cy="0"/>
-          <a:chOff x="0" y="0"/>
-          <a:chExt cx="0" cy="0"/>
-        </a:xfrm>
-      </p:grpSpPr>
-      <p:sp>
-        <p:nvSpPr>
-          <p:cNvPr id="2" name="Text Placeholder 1"/>
-          <p:cNvSpPr>
-            <a:spLocks noGrp="1"/>
-          </p:cNvSpPr>
-          <p:nvPr>
-            <p:ph type="body" sz="quarter" idx="10"/>
-          </p:nvPr>
-        </p:nvSpPr>
-        <p:spPr/>
-        <p:txBody>
-          <a:bodyPr/>
-          <a:lstStyle/>
-          <a:p>
-            <a:r>
-              <a:rPr lang="en-US" dirty="0" smtClean="0">
-                <a:solidFill>
-                  <a:schemeClr val="accent3"/>
-                </a:solidFill>
-                <a:latin typeface="Trebuchet MS" panose="020B0603020202020204" pitchFamily="34" charset="0"/>
-              </a:rPr>
-              <a:t>Relative frequency of other words given the presence of “BCG”</a:t>
-            </a:r>
-            <a:endParaRPr lang="en-US" dirty="0">
-              <a:solidFill>
-                <a:schemeClr val="accent3"/>
-              </a:solidFill>
-              <a:latin typeface="Trebuchet MS" panose="020B0603020202020204" pitchFamily="34" charset="0"/>
-            </a:endParaRPr>
-          </a:p>
-        </p:txBody>
-      </p:sp>
-      <p:sp>
-        <p:nvSpPr>
-          <p:cNvPr id="5" name="Text Placeholder 2"/>
-          <p:cNvSpPr txBox="1">
-            <a:spLocks/>
-          </p:cNvSpPr>
-          <p:nvPr/>
-        </p:nvSpPr>
-        <p:spPr>
-          <a:xfrm>
-            <a:off x="671757" y="4527868"/>
-            <a:ext cx="8197114" cy="3810086"/>
-          </a:xfrm>
-          <a:prstGeom prst="rect">
-            <a:avLst/>
-          </a:prstGeom>
-        </p:spPr>
-        <p:txBody>
-          <a:bodyPr/>
-          <a:lstStyle>
-            <a:lvl1pPr marL="342900" indent="-342900" algn="l" defTabSz="457200" rtl="0" eaLnBrk="1" latinLnBrk="0" hangingPunct="1">
-              <a:spcBef>
-                <a:spcPct val="20000"/>
-              </a:spcBef>
-              <a:buFont typeface="Lucida Grande"/>
-              <a:buChar char="&gt;"/>
-              <a:defRPr sz="2400" b="1" i="0" kern="1200" baseline="0">
-                <a:solidFill>
-                  <a:schemeClr val="tx1"/>
-                </a:solidFill>
-                <a:latin typeface="Open Sans"/>
-                <a:ea typeface="+mn-ea"/>
-                <a:cs typeface="Open Sans"/>
-              </a:defRPr>
-            </a:lvl1pPr>
-            <a:lvl2pPr marL="742950" indent="-285750" algn="l" defTabSz="457200" rtl="0" eaLnBrk="1" latinLnBrk="0" hangingPunct="1">
-              <a:spcBef>
-                <a:spcPct val="20000"/>
-              </a:spcBef>
-              <a:buFont typeface="Arial"/>
-              <a:buChar char="–"/>
-              <a:defRPr sz="2000" b="1" i="0" kern="1200" baseline="0">
-                <a:solidFill>
-                  <a:schemeClr val="tx1"/>
-                </a:solidFill>
-                <a:latin typeface="Open Sans"/>
-                <a:ea typeface="+mn-ea"/>
-                <a:cs typeface="Open Sans"/>
-              </a:defRPr>
-            </a:lvl2pPr>
-            <a:lvl3pPr marL="1143000" indent="-228600" algn="l" defTabSz="457200" rtl="0" eaLnBrk="1" latinLnBrk="0" hangingPunct="1">
-              <a:spcBef>
-                <a:spcPct val="20000"/>
-              </a:spcBef>
-              <a:buSzPct val="100000"/>
-              <a:buFont typeface="Lucida Grande"/>
-              <a:buChar char="&gt;"/>
-              <a:defRPr sz="1800" b="1" i="0" kern="1200" baseline="0">
-                <a:solidFill>
-                  <a:schemeClr val="tx1"/>
-                </a:solidFill>
-                <a:latin typeface="Open Sans"/>
-                <a:ea typeface="+mn-ea"/>
-                <a:cs typeface="Open Sans"/>
-              </a:defRPr>
-            </a:lvl3pPr>
-            <a:lvl4pPr marL="1600200" indent="-228600" algn="l" defTabSz="457200" rtl="0" eaLnBrk="1" latinLnBrk="0" hangingPunct="1">
-              <a:spcBef>
-                <a:spcPct val="20000"/>
-              </a:spcBef>
-              <a:buFont typeface="Arial"/>
-              <a:buChar char="–"/>
-              <a:defRPr sz="1600" b="1" i="0" kern="1200" baseline="0">
-                <a:solidFill>
-                  <a:schemeClr val="tx1"/>
-                </a:solidFill>
-                <a:latin typeface="Open Sans"/>
-                <a:ea typeface="+mn-ea"/>
-                <a:cs typeface="Open Sans"/>
-              </a:defRPr>
-            </a:lvl4pPr>
-            <a:lvl5pPr marL="2057400" indent="-228600" algn="l" defTabSz="457200" rtl="0" eaLnBrk="1" latinLnBrk="0" hangingPunct="1">
-              <a:spcBef>
-                <a:spcPct val="20000"/>
-              </a:spcBef>
-              <a:buFont typeface="Lucida Grande"/>
-              <a:buChar char="&gt;"/>
-              <a:defRPr sz="1400" b="1" i="0" kern="1200" baseline="0">
-                <a:solidFill>
-                  <a:schemeClr val="tx1"/>
-                </a:solidFill>
-                <a:latin typeface="Open Sans"/>
-                <a:ea typeface="+mn-ea"/>
-                <a:cs typeface="Open Sans"/>
-              </a:defRPr>
-            </a:lvl5pPr>
-            <a:lvl6pPr marL="2514600" indent="-228600" algn="l" defTabSz="457200" rtl="0" eaLnBrk="1" latinLnBrk="0" hangingPunct="1">
-              <a:spcBef>
-                <a:spcPct val="20000"/>
-              </a:spcBef>
-              <a:buFont typeface="Arial"/>
-              <a:buChar char="•"/>
-              <a:defRPr sz="2000" kern="1200">
-                <a:solidFill>
-                  <a:schemeClr val="tx1"/>
-                </a:solidFill>
-                <a:latin typeface="+mn-lt"/>
-                <a:ea typeface="+mn-ea"/>
-                <a:cs typeface="+mn-cs"/>
-              </a:defRPr>
-            </a:lvl6pPr>
-            <a:lvl7pPr marL="2971800" indent="-228600" algn="l" defTabSz="457200" rtl="0" eaLnBrk="1" latinLnBrk="0" hangingPunct="1">
-              <a:spcBef>
-                <a:spcPct val="20000"/>
-              </a:spcBef>
-              <a:buFont typeface="Arial"/>
-              <a:buChar char="•"/>
-              <a:defRPr sz="2000" kern="1200">
-                <a:solidFill>
-                  <a:schemeClr val="tx1"/>
-                </a:solidFill>
-                <a:latin typeface="+mn-lt"/>
-                <a:ea typeface="+mn-ea"/>
-                <a:cs typeface="+mn-cs"/>
-              </a:defRPr>
-            </a:lvl7pPr>
-            <a:lvl8pPr marL="3429000" indent="-228600" algn="l" defTabSz="457200" rtl="0" eaLnBrk="1" latinLnBrk="0" hangingPunct="1">
-              <a:spcBef>
-                <a:spcPct val="20000"/>
-              </a:spcBef>
-              <a:buFont typeface="Arial"/>
-              <a:buChar char="•"/>
-              <a:defRPr sz="2000" kern="1200">
-                <a:solidFill>
-                  <a:schemeClr val="tx1"/>
-                </a:solidFill>
-                <a:latin typeface="+mn-lt"/>
-                <a:ea typeface="+mn-ea"/>
-                <a:cs typeface="+mn-cs"/>
-              </a:defRPr>
-            </a:lvl8pPr>
-            <a:lvl9pPr marL="3886200" indent="-228600" algn="l" defTabSz="457200" rtl="0" eaLnBrk="1" latinLnBrk="0" hangingPunct="1">
-              <a:spcBef>
-                <a:spcPct val="20000"/>
-              </a:spcBef>
-              <a:buFont typeface="Arial"/>
-              <a:buChar char="•"/>
-              <a:defRPr sz="2000" kern="1200">
-                <a:solidFill>
-                  <a:schemeClr val="tx1"/>
-                </a:solidFill>
-                <a:latin typeface="+mn-lt"/>
-                <a:ea typeface="+mn-ea"/>
-                <a:cs typeface="+mn-cs"/>
-              </a:defRPr>
-            </a:lvl9pPr>
-          </a:lstStyle>
-          <a:p>
-            <a:endParaRPr lang="en-US" dirty="0" smtClean="0">
-              <a:latin typeface="Trebuchet MS" panose="020B0603020202020204" pitchFamily="34" charset="0"/>
-            </a:endParaRPr>
-          </a:p>
-        </p:txBody>
-      </p:sp>
-      <p:sp>
-        <p:nvSpPr>
-          <p:cNvPr id="6" name="Text Placeholder 3"/>
-          <p:cNvSpPr txBox="1">
-            <a:spLocks/>
-          </p:cNvSpPr>
-          <p:nvPr/>
-        </p:nvSpPr>
-        <p:spPr>
-          <a:xfrm>
-            <a:off x="664271" y="4765220"/>
-            <a:ext cx="8184662" cy="411171"/>
-          </a:xfrm>
-          <a:prstGeom prst="rect">
-            <a:avLst/>
-          </a:prstGeom>
-        </p:spPr>
-        <p:txBody>
-          <a:bodyPr>
-            <a:noAutofit/>
-          </a:bodyPr>
-          <a:lstStyle>
-            <a:lvl1pPr marL="0" indent="0" algn="l" defTabSz="457200" rtl="0" eaLnBrk="1" latinLnBrk="0" hangingPunct="1">
-              <a:lnSpc>
-                <a:spcPct val="90000"/>
-              </a:lnSpc>
-              <a:spcBef>
-                <a:spcPct val="20000"/>
-              </a:spcBef>
-              <a:buFont typeface="Arial"/>
-              <a:buNone/>
-              <a:defRPr sz="2400" b="0" i="0" kern="1200" baseline="0">
-                <a:solidFill>
-                  <a:schemeClr val="tx1"/>
-                </a:solidFill>
-                <a:latin typeface="Uni Sans Regular"/>
-                <a:ea typeface="+mn-ea"/>
-                <a:cs typeface="Uni Sans Regular"/>
-              </a:defRPr>
-            </a:lvl1pPr>
-            <a:lvl2pPr marL="457200" indent="0" algn="l" defTabSz="457200" rtl="0" eaLnBrk="1" latinLnBrk="0" hangingPunct="1">
-              <a:spcBef>
-                <a:spcPct val="20000"/>
-              </a:spcBef>
-              <a:buFont typeface="Arial"/>
-              <a:buNone/>
-              <a:defRPr sz="2800" b="0" i="0" kern="1200">
-                <a:solidFill>
-                  <a:srgbClr val="E8D3A2"/>
-                </a:solidFill>
-                <a:latin typeface="Encode Sans Normal Black"/>
-                <a:ea typeface="+mn-ea"/>
-                <a:cs typeface="Encode Sans Normal Black"/>
-              </a:defRPr>
-            </a:lvl2pPr>
-            <a:lvl3pPr marL="914400" indent="0" algn="l" defTabSz="457200" rtl="0" eaLnBrk="1" latinLnBrk="0" hangingPunct="1">
-              <a:spcBef>
-                <a:spcPct val="20000"/>
-              </a:spcBef>
-              <a:buFont typeface="Arial"/>
-              <a:buNone/>
-              <a:defRPr sz="2400" b="0" i="0" kern="1200">
-                <a:solidFill>
-                  <a:srgbClr val="E8D3A2"/>
-                </a:solidFill>
-                <a:latin typeface="Encode Sans Normal Black"/>
-                <a:ea typeface="+mn-ea"/>
-                <a:cs typeface="Encode Sans Normal Black"/>
-              </a:defRPr>
-            </a:lvl3pPr>
-            <a:lvl4pPr marL="1371600" indent="0" algn="l" defTabSz="457200" rtl="0" eaLnBrk="1" latinLnBrk="0" hangingPunct="1">
-              <a:spcBef>
-                <a:spcPct val="20000"/>
-              </a:spcBef>
-              <a:buFont typeface="Arial"/>
-              <a:buNone/>
-              <a:defRPr sz="2000" b="0" i="0" kern="1200">
-                <a:solidFill>
-                  <a:srgbClr val="E8D3A2"/>
-                </a:solidFill>
-                <a:latin typeface="Encode Sans Normal Black"/>
-                <a:ea typeface="+mn-ea"/>
-                <a:cs typeface="Encode Sans Normal Black"/>
-              </a:defRPr>
-            </a:lvl4pPr>
-            <a:lvl5pPr marL="1828800" indent="0" algn="l" defTabSz="457200" rtl="0" eaLnBrk="1" latinLnBrk="0" hangingPunct="1">
-              <a:spcBef>
-                <a:spcPct val="20000"/>
-              </a:spcBef>
-              <a:buFont typeface="Arial"/>
-              <a:buNone/>
-              <a:defRPr sz="2000" b="0" i="0" kern="1200">
-                <a:solidFill>
-                  <a:srgbClr val="E8D3A2"/>
-                </a:solidFill>
-                <a:latin typeface="Encode Sans Normal Black"/>
-                <a:ea typeface="+mn-ea"/>
-                <a:cs typeface="Encode Sans Normal Black"/>
-              </a:defRPr>
-            </a:lvl5pPr>
-            <a:lvl6pPr marL="2514600" indent="-228600" algn="l" defTabSz="457200" rtl="0" eaLnBrk="1" latinLnBrk="0" hangingPunct="1">
-              <a:spcBef>
-                <a:spcPct val="20000"/>
-              </a:spcBef>
-              <a:buFont typeface="Arial"/>
-              <a:buChar char="•"/>
-              <a:defRPr sz="2000" kern="1200">
-                <a:solidFill>
-                  <a:schemeClr val="tx1"/>
-                </a:solidFill>
-                <a:latin typeface="+mn-lt"/>
-                <a:ea typeface="+mn-ea"/>
-                <a:cs typeface="+mn-cs"/>
-              </a:defRPr>
-            </a:lvl6pPr>
-            <a:lvl7pPr marL="2971800" indent="-228600" algn="l" defTabSz="457200" rtl="0" eaLnBrk="1" latinLnBrk="0" hangingPunct="1">
-              <a:spcBef>
-                <a:spcPct val="20000"/>
-              </a:spcBef>
-              <a:buFont typeface="Arial"/>
-              <a:buChar char="•"/>
-              <a:defRPr sz="2000" kern="1200">
-                <a:solidFill>
-                  <a:schemeClr val="tx1"/>
-                </a:solidFill>
-                <a:latin typeface="+mn-lt"/>
-                <a:ea typeface="+mn-ea"/>
-                <a:cs typeface="+mn-cs"/>
-              </a:defRPr>
-            </a:lvl7pPr>
-            <a:lvl8pPr marL="3429000" indent="-228600" algn="l" defTabSz="457200" rtl="0" eaLnBrk="1" latinLnBrk="0" hangingPunct="1">
-              <a:spcBef>
-                <a:spcPct val="20000"/>
-              </a:spcBef>
-              <a:buFont typeface="Arial"/>
-              <a:buChar char="•"/>
-              <a:defRPr sz="2000" kern="1200">
-                <a:solidFill>
-                  <a:schemeClr val="tx1"/>
-                </a:solidFill>
-                <a:latin typeface="+mn-lt"/>
-                <a:ea typeface="+mn-ea"/>
-                <a:cs typeface="+mn-cs"/>
-              </a:defRPr>
-            </a:lvl8pPr>
-            <a:lvl9pPr marL="3886200" indent="-228600" algn="l" defTabSz="457200" rtl="0" eaLnBrk="1" latinLnBrk="0" hangingPunct="1">
-              <a:spcBef>
-                <a:spcPct val="20000"/>
-              </a:spcBef>
-              <a:buFont typeface="Arial"/>
-              <a:buChar char="•"/>
-              <a:defRPr sz="2000" kern="1200">
-                <a:solidFill>
-                  <a:schemeClr val="tx1"/>
-                </a:solidFill>
-                <a:latin typeface="+mn-lt"/>
-                <a:ea typeface="+mn-ea"/>
-                <a:cs typeface="+mn-cs"/>
-              </a:defRPr>
-            </a:lvl9pPr>
-          </a:lstStyle>
-          <a:p>
-            <a:endParaRPr lang="en-US" dirty="0">
-              <a:latin typeface="Trebuchet MS" panose="020B0603020202020204" pitchFamily="34" charset="0"/>
-            </a:endParaRPr>
-          </a:p>
-        </p:txBody>
-      </p:sp>
-      <p:pic>
-        <p:nvPicPr>
-          <p:cNvPr id="3" name="Picture 2"/>
-          <p:cNvPicPr>
-            <a:picLocks noChangeAspect="1"/>
-          </p:cNvPicPr>
-          <p:nvPr/>
-        </p:nvPicPr>
-        <p:blipFill>
-          <a:blip r:embed="rId3"/>
-          <a:stretch>
-            <a:fillRect/>
-          </a:stretch>
-        </p:blipFill>
-        <p:spPr>
-          <a:xfrm>
-            <a:off x="792480" y="1551143"/>
-            <a:ext cx="5536379" cy="4488071"/>
-          </a:xfrm>
-          <a:prstGeom prst="rect">
-            <a:avLst/>
-          </a:prstGeom>
-        </p:spPr>
-      </p:pic>
-    </p:spTree>
-    <p:extLst>
-      <p:ext uri="{BB962C8B-B14F-4D97-AF65-F5344CB8AC3E}">
-        <p14:creationId xmlns:p14="http://schemas.microsoft.com/office/powerpoint/2010/main" val="3860698917"/>
-      </p:ext>
-    </p:extLst>
-  </p:cSld>
-  <p:clrMapOvr>
-    <a:masterClrMapping/>
-  </p:clrMapOvr>
-</p:sld>
-</file>
-
 <file path=ppt/slides/slide5.xml><?xml version="1.0" encoding="utf-8"?>
 <p:sld xmlns:a="http://schemas.openxmlformats.org/drawingml/2006/main" xmlns:r="http://schemas.openxmlformats.org/officeDocument/2006/relationships" xmlns:p="http://schemas.openxmlformats.org/presentationml/2006/main">
   <p:cSld>
@@ -7275,7 +6952,7 @@
                 </a:solidFill>
                 <a:latin typeface="Trebuchet MS" panose="020B0603020202020204" pitchFamily="34" charset="0"/>
               </a:rPr>
-              <a:t>Single word frequency charts, ex: “BCG”</a:t>
+              <a:t>Relative frequency of other words given the presence of “BCG”</a:t>
             </a:r>
             <a:endParaRPr lang="en-US" dirty="0">
               <a:solidFill>
@@ -7620,7 +7297,7 @@
       </p:sp>
       <p:pic>
         <p:nvPicPr>
-          <p:cNvPr id="4" name="Picture 3"/>
+          <p:cNvPr id="3" name="Picture 2"/>
           <p:cNvPicPr>
             <a:picLocks noChangeAspect="1"/>
           </p:cNvPicPr>
@@ -7634,8 +7311,8 @@
         </p:blipFill>
         <p:spPr>
           <a:xfrm>
-            <a:off x="783771" y="1532702"/>
-            <a:ext cx="5386496" cy="4486439"/>
+            <a:off x="792480" y="1551143"/>
+            <a:ext cx="5536379" cy="4488071"/>
           </a:xfrm>
           <a:prstGeom prst="rect">
             <a:avLst/>
@@ -7645,7 +7322,7 @@
     </p:spTree>
     <p:extLst>
       <p:ext uri="{BB962C8B-B14F-4D97-AF65-F5344CB8AC3E}">
-        <p14:creationId xmlns:p14="http://schemas.microsoft.com/office/powerpoint/2010/main" val="1449404911"/>
+        <p14:creationId xmlns:p14="http://schemas.microsoft.com/office/powerpoint/2010/main" val="3860698917"/>
       </p:ext>
     </p:extLst>
   </p:cSld>
@@ -7694,8 +7371,418 @@
                 </a:solidFill>
                 <a:latin typeface="Trebuchet MS" panose="020B0603020202020204" pitchFamily="34" charset="0"/>
               </a:rPr>
-              <a:t>Multiple word frequency </a:t>
-            </a:r>
+              <a:t>Single word frequency charts, ex: “BCG”</a:t>
+            </a:r>
+            <a:endParaRPr lang="en-US" dirty="0">
+              <a:solidFill>
+                <a:schemeClr val="accent3"/>
+              </a:solidFill>
+              <a:latin typeface="Trebuchet MS" panose="020B0603020202020204" pitchFamily="34" charset="0"/>
+            </a:endParaRPr>
+          </a:p>
+        </p:txBody>
+      </p:sp>
+      <p:sp>
+        <p:nvSpPr>
+          <p:cNvPr id="5" name="Text Placeholder 2"/>
+          <p:cNvSpPr txBox="1">
+            <a:spLocks/>
+          </p:cNvSpPr>
+          <p:nvPr/>
+        </p:nvSpPr>
+        <p:spPr>
+          <a:xfrm>
+            <a:off x="671757" y="4527868"/>
+            <a:ext cx="8197114" cy="3810086"/>
+          </a:xfrm>
+          <a:prstGeom prst="rect">
+            <a:avLst/>
+          </a:prstGeom>
+        </p:spPr>
+        <p:txBody>
+          <a:bodyPr/>
+          <a:lstStyle>
+            <a:lvl1pPr marL="342900" indent="-342900" algn="l" defTabSz="457200" rtl="0" eaLnBrk="1" latinLnBrk="0" hangingPunct="1">
+              <a:spcBef>
+                <a:spcPct val="20000"/>
+              </a:spcBef>
+              <a:buFont typeface="Lucida Grande"/>
+              <a:buChar char="&gt;"/>
+              <a:defRPr sz="2400" b="1" i="0" kern="1200" baseline="0">
+                <a:solidFill>
+                  <a:schemeClr val="tx1"/>
+                </a:solidFill>
+                <a:latin typeface="Open Sans"/>
+                <a:ea typeface="+mn-ea"/>
+                <a:cs typeface="Open Sans"/>
+              </a:defRPr>
+            </a:lvl1pPr>
+            <a:lvl2pPr marL="742950" indent="-285750" algn="l" defTabSz="457200" rtl="0" eaLnBrk="1" latinLnBrk="0" hangingPunct="1">
+              <a:spcBef>
+                <a:spcPct val="20000"/>
+              </a:spcBef>
+              <a:buFont typeface="Arial"/>
+              <a:buChar char="–"/>
+              <a:defRPr sz="2000" b="1" i="0" kern="1200" baseline="0">
+                <a:solidFill>
+                  <a:schemeClr val="tx1"/>
+                </a:solidFill>
+                <a:latin typeface="Open Sans"/>
+                <a:ea typeface="+mn-ea"/>
+                <a:cs typeface="Open Sans"/>
+              </a:defRPr>
+            </a:lvl2pPr>
+            <a:lvl3pPr marL="1143000" indent="-228600" algn="l" defTabSz="457200" rtl="0" eaLnBrk="1" latinLnBrk="0" hangingPunct="1">
+              <a:spcBef>
+                <a:spcPct val="20000"/>
+              </a:spcBef>
+              <a:buSzPct val="100000"/>
+              <a:buFont typeface="Lucida Grande"/>
+              <a:buChar char="&gt;"/>
+              <a:defRPr sz="1800" b="1" i="0" kern="1200" baseline="0">
+                <a:solidFill>
+                  <a:schemeClr val="tx1"/>
+                </a:solidFill>
+                <a:latin typeface="Open Sans"/>
+                <a:ea typeface="+mn-ea"/>
+                <a:cs typeface="Open Sans"/>
+              </a:defRPr>
+            </a:lvl3pPr>
+            <a:lvl4pPr marL="1600200" indent="-228600" algn="l" defTabSz="457200" rtl="0" eaLnBrk="1" latinLnBrk="0" hangingPunct="1">
+              <a:spcBef>
+                <a:spcPct val="20000"/>
+              </a:spcBef>
+              <a:buFont typeface="Arial"/>
+              <a:buChar char="–"/>
+              <a:defRPr sz="1600" b="1" i="0" kern="1200" baseline="0">
+                <a:solidFill>
+                  <a:schemeClr val="tx1"/>
+                </a:solidFill>
+                <a:latin typeface="Open Sans"/>
+                <a:ea typeface="+mn-ea"/>
+                <a:cs typeface="Open Sans"/>
+              </a:defRPr>
+            </a:lvl4pPr>
+            <a:lvl5pPr marL="2057400" indent="-228600" algn="l" defTabSz="457200" rtl="0" eaLnBrk="1" latinLnBrk="0" hangingPunct="1">
+              <a:spcBef>
+                <a:spcPct val="20000"/>
+              </a:spcBef>
+              <a:buFont typeface="Lucida Grande"/>
+              <a:buChar char="&gt;"/>
+              <a:defRPr sz="1400" b="1" i="0" kern="1200" baseline="0">
+                <a:solidFill>
+                  <a:schemeClr val="tx1"/>
+                </a:solidFill>
+                <a:latin typeface="Open Sans"/>
+                <a:ea typeface="+mn-ea"/>
+                <a:cs typeface="Open Sans"/>
+              </a:defRPr>
+            </a:lvl5pPr>
+            <a:lvl6pPr marL="2514600" indent="-228600" algn="l" defTabSz="457200" rtl="0" eaLnBrk="1" latinLnBrk="0" hangingPunct="1">
+              <a:spcBef>
+                <a:spcPct val="20000"/>
+              </a:spcBef>
+              <a:buFont typeface="Arial"/>
+              <a:buChar char="•"/>
+              <a:defRPr sz="2000" kern="1200">
+                <a:solidFill>
+                  <a:schemeClr val="tx1"/>
+                </a:solidFill>
+                <a:latin typeface="+mn-lt"/>
+                <a:ea typeface="+mn-ea"/>
+                <a:cs typeface="+mn-cs"/>
+              </a:defRPr>
+            </a:lvl6pPr>
+            <a:lvl7pPr marL="2971800" indent="-228600" algn="l" defTabSz="457200" rtl="0" eaLnBrk="1" latinLnBrk="0" hangingPunct="1">
+              <a:spcBef>
+                <a:spcPct val="20000"/>
+              </a:spcBef>
+              <a:buFont typeface="Arial"/>
+              <a:buChar char="•"/>
+              <a:defRPr sz="2000" kern="1200">
+                <a:solidFill>
+                  <a:schemeClr val="tx1"/>
+                </a:solidFill>
+                <a:latin typeface="+mn-lt"/>
+                <a:ea typeface="+mn-ea"/>
+                <a:cs typeface="+mn-cs"/>
+              </a:defRPr>
+            </a:lvl7pPr>
+            <a:lvl8pPr marL="3429000" indent="-228600" algn="l" defTabSz="457200" rtl="0" eaLnBrk="1" latinLnBrk="0" hangingPunct="1">
+              <a:spcBef>
+                <a:spcPct val="20000"/>
+              </a:spcBef>
+              <a:buFont typeface="Arial"/>
+              <a:buChar char="•"/>
+              <a:defRPr sz="2000" kern="1200">
+                <a:solidFill>
+                  <a:schemeClr val="tx1"/>
+                </a:solidFill>
+                <a:latin typeface="+mn-lt"/>
+                <a:ea typeface="+mn-ea"/>
+                <a:cs typeface="+mn-cs"/>
+              </a:defRPr>
+            </a:lvl8pPr>
+            <a:lvl9pPr marL="3886200" indent="-228600" algn="l" defTabSz="457200" rtl="0" eaLnBrk="1" latinLnBrk="0" hangingPunct="1">
+              <a:spcBef>
+                <a:spcPct val="20000"/>
+              </a:spcBef>
+              <a:buFont typeface="Arial"/>
+              <a:buChar char="•"/>
+              <a:defRPr sz="2000" kern="1200">
+                <a:solidFill>
+                  <a:schemeClr val="tx1"/>
+                </a:solidFill>
+                <a:latin typeface="+mn-lt"/>
+                <a:ea typeface="+mn-ea"/>
+                <a:cs typeface="+mn-cs"/>
+              </a:defRPr>
+            </a:lvl9pPr>
+          </a:lstStyle>
+          <a:p>
+            <a:endParaRPr lang="en-US" dirty="0" smtClean="0">
+              <a:latin typeface="Trebuchet MS" panose="020B0603020202020204" pitchFamily="34" charset="0"/>
+            </a:endParaRPr>
+          </a:p>
+        </p:txBody>
+      </p:sp>
+      <p:sp>
+        <p:nvSpPr>
+          <p:cNvPr id="6" name="Text Placeholder 3"/>
+          <p:cNvSpPr txBox="1">
+            <a:spLocks/>
+          </p:cNvSpPr>
+          <p:nvPr/>
+        </p:nvSpPr>
+        <p:spPr>
+          <a:xfrm>
+            <a:off x="664271" y="4765220"/>
+            <a:ext cx="8184662" cy="411171"/>
+          </a:xfrm>
+          <a:prstGeom prst="rect">
+            <a:avLst/>
+          </a:prstGeom>
+        </p:spPr>
+        <p:txBody>
+          <a:bodyPr>
+            <a:noAutofit/>
+          </a:bodyPr>
+          <a:lstStyle>
+            <a:lvl1pPr marL="0" indent="0" algn="l" defTabSz="457200" rtl="0" eaLnBrk="1" latinLnBrk="0" hangingPunct="1">
+              <a:lnSpc>
+                <a:spcPct val="90000"/>
+              </a:lnSpc>
+              <a:spcBef>
+                <a:spcPct val="20000"/>
+              </a:spcBef>
+              <a:buFont typeface="Arial"/>
+              <a:buNone/>
+              <a:defRPr sz="2400" b="0" i="0" kern="1200" baseline="0">
+                <a:solidFill>
+                  <a:schemeClr val="tx1"/>
+                </a:solidFill>
+                <a:latin typeface="Uni Sans Regular"/>
+                <a:ea typeface="+mn-ea"/>
+                <a:cs typeface="Uni Sans Regular"/>
+              </a:defRPr>
+            </a:lvl1pPr>
+            <a:lvl2pPr marL="457200" indent="0" algn="l" defTabSz="457200" rtl="0" eaLnBrk="1" latinLnBrk="0" hangingPunct="1">
+              <a:spcBef>
+                <a:spcPct val="20000"/>
+              </a:spcBef>
+              <a:buFont typeface="Arial"/>
+              <a:buNone/>
+              <a:defRPr sz="2800" b="0" i="0" kern="1200">
+                <a:solidFill>
+                  <a:srgbClr val="E8D3A2"/>
+                </a:solidFill>
+                <a:latin typeface="Encode Sans Normal Black"/>
+                <a:ea typeface="+mn-ea"/>
+                <a:cs typeface="Encode Sans Normal Black"/>
+              </a:defRPr>
+            </a:lvl2pPr>
+            <a:lvl3pPr marL="914400" indent="0" algn="l" defTabSz="457200" rtl="0" eaLnBrk="1" latinLnBrk="0" hangingPunct="1">
+              <a:spcBef>
+                <a:spcPct val="20000"/>
+              </a:spcBef>
+              <a:buFont typeface="Arial"/>
+              <a:buNone/>
+              <a:defRPr sz="2400" b="0" i="0" kern="1200">
+                <a:solidFill>
+                  <a:srgbClr val="E8D3A2"/>
+                </a:solidFill>
+                <a:latin typeface="Encode Sans Normal Black"/>
+                <a:ea typeface="+mn-ea"/>
+                <a:cs typeface="Encode Sans Normal Black"/>
+              </a:defRPr>
+            </a:lvl3pPr>
+            <a:lvl4pPr marL="1371600" indent="0" algn="l" defTabSz="457200" rtl="0" eaLnBrk="1" latinLnBrk="0" hangingPunct="1">
+              <a:spcBef>
+                <a:spcPct val="20000"/>
+              </a:spcBef>
+              <a:buFont typeface="Arial"/>
+              <a:buNone/>
+              <a:defRPr sz="2000" b="0" i="0" kern="1200">
+                <a:solidFill>
+                  <a:srgbClr val="E8D3A2"/>
+                </a:solidFill>
+                <a:latin typeface="Encode Sans Normal Black"/>
+                <a:ea typeface="+mn-ea"/>
+                <a:cs typeface="Encode Sans Normal Black"/>
+              </a:defRPr>
+            </a:lvl4pPr>
+            <a:lvl5pPr marL="1828800" indent="0" algn="l" defTabSz="457200" rtl="0" eaLnBrk="1" latinLnBrk="0" hangingPunct="1">
+              <a:spcBef>
+                <a:spcPct val="20000"/>
+              </a:spcBef>
+              <a:buFont typeface="Arial"/>
+              <a:buNone/>
+              <a:defRPr sz="2000" b="0" i="0" kern="1200">
+                <a:solidFill>
+                  <a:srgbClr val="E8D3A2"/>
+                </a:solidFill>
+                <a:latin typeface="Encode Sans Normal Black"/>
+                <a:ea typeface="+mn-ea"/>
+                <a:cs typeface="Encode Sans Normal Black"/>
+              </a:defRPr>
+            </a:lvl5pPr>
+            <a:lvl6pPr marL="2514600" indent="-228600" algn="l" defTabSz="457200" rtl="0" eaLnBrk="1" latinLnBrk="0" hangingPunct="1">
+              <a:spcBef>
+                <a:spcPct val="20000"/>
+              </a:spcBef>
+              <a:buFont typeface="Arial"/>
+              <a:buChar char="•"/>
+              <a:defRPr sz="2000" kern="1200">
+                <a:solidFill>
+                  <a:schemeClr val="tx1"/>
+                </a:solidFill>
+                <a:latin typeface="+mn-lt"/>
+                <a:ea typeface="+mn-ea"/>
+                <a:cs typeface="+mn-cs"/>
+              </a:defRPr>
+            </a:lvl6pPr>
+            <a:lvl7pPr marL="2971800" indent="-228600" algn="l" defTabSz="457200" rtl="0" eaLnBrk="1" latinLnBrk="0" hangingPunct="1">
+              <a:spcBef>
+                <a:spcPct val="20000"/>
+              </a:spcBef>
+              <a:buFont typeface="Arial"/>
+              <a:buChar char="•"/>
+              <a:defRPr sz="2000" kern="1200">
+                <a:solidFill>
+                  <a:schemeClr val="tx1"/>
+                </a:solidFill>
+                <a:latin typeface="+mn-lt"/>
+                <a:ea typeface="+mn-ea"/>
+                <a:cs typeface="+mn-cs"/>
+              </a:defRPr>
+            </a:lvl7pPr>
+            <a:lvl8pPr marL="3429000" indent="-228600" algn="l" defTabSz="457200" rtl="0" eaLnBrk="1" latinLnBrk="0" hangingPunct="1">
+              <a:spcBef>
+                <a:spcPct val="20000"/>
+              </a:spcBef>
+              <a:buFont typeface="Arial"/>
+              <a:buChar char="•"/>
+              <a:defRPr sz="2000" kern="1200">
+                <a:solidFill>
+                  <a:schemeClr val="tx1"/>
+                </a:solidFill>
+                <a:latin typeface="+mn-lt"/>
+                <a:ea typeface="+mn-ea"/>
+                <a:cs typeface="+mn-cs"/>
+              </a:defRPr>
+            </a:lvl8pPr>
+            <a:lvl9pPr marL="3886200" indent="-228600" algn="l" defTabSz="457200" rtl="0" eaLnBrk="1" latinLnBrk="0" hangingPunct="1">
+              <a:spcBef>
+                <a:spcPct val="20000"/>
+              </a:spcBef>
+              <a:buFont typeface="Arial"/>
+              <a:buChar char="•"/>
+              <a:defRPr sz="2000" kern="1200">
+                <a:solidFill>
+                  <a:schemeClr val="tx1"/>
+                </a:solidFill>
+                <a:latin typeface="+mn-lt"/>
+                <a:ea typeface="+mn-ea"/>
+                <a:cs typeface="+mn-cs"/>
+              </a:defRPr>
+            </a:lvl9pPr>
+          </a:lstStyle>
+          <a:p>
+            <a:endParaRPr lang="en-US" dirty="0">
+              <a:latin typeface="Trebuchet MS" panose="020B0603020202020204" pitchFamily="34" charset="0"/>
+            </a:endParaRPr>
+          </a:p>
+        </p:txBody>
+      </p:sp>
+      <p:pic>
+        <p:nvPicPr>
+          <p:cNvPr id="4" name="Picture 3"/>
+          <p:cNvPicPr>
+            <a:picLocks noChangeAspect="1"/>
+          </p:cNvPicPr>
+          <p:nvPr/>
+        </p:nvPicPr>
+        <p:blipFill>
+          <a:blip r:embed="rId3"/>
+          <a:stretch>
+            <a:fillRect/>
+          </a:stretch>
+        </p:blipFill>
+        <p:spPr>
+          <a:xfrm>
+            <a:off x="783771" y="1532702"/>
+            <a:ext cx="5386496" cy="4486439"/>
+          </a:xfrm>
+          <a:prstGeom prst="rect">
+            <a:avLst/>
+          </a:prstGeom>
+        </p:spPr>
+      </p:pic>
+    </p:spTree>
+    <p:extLst>
+      <p:ext uri="{BB962C8B-B14F-4D97-AF65-F5344CB8AC3E}">
+        <p14:creationId xmlns:p14="http://schemas.microsoft.com/office/powerpoint/2010/main" val="1449404911"/>
+      </p:ext>
+    </p:extLst>
+  </p:cSld>
+  <p:clrMapOvr>
+    <a:masterClrMapping/>
+  </p:clrMapOvr>
+</p:sld>
+</file>
+
+<file path=ppt/slides/slide7.xml><?xml version="1.0" encoding="utf-8"?>
+<p:sld xmlns:a="http://schemas.openxmlformats.org/drawingml/2006/main" xmlns:r="http://schemas.openxmlformats.org/officeDocument/2006/relationships" xmlns:p="http://schemas.openxmlformats.org/presentationml/2006/main">
+  <p:cSld>
+    <p:spTree>
+      <p:nvGrpSpPr>
+        <p:cNvPr id="1" name=""/>
+        <p:cNvGrpSpPr/>
+        <p:nvPr/>
+      </p:nvGrpSpPr>
+      <p:grpSpPr>
+        <a:xfrm>
+          <a:off x="0" y="0"/>
+          <a:ext cx="0" cy="0"/>
+          <a:chOff x="0" y="0"/>
+          <a:chExt cx="0" cy="0"/>
+        </a:xfrm>
+      </p:grpSpPr>
+      <p:sp>
+        <p:nvSpPr>
+          <p:cNvPr id="2" name="Text Placeholder 1"/>
+          <p:cNvSpPr>
+            <a:spLocks noGrp="1"/>
+          </p:cNvSpPr>
+          <p:nvPr>
+            <p:ph type="body" sz="quarter" idx="10"/>
+          </p:nvPr>
+        </p:nvSpPr>
+        <p:spPr/>
+        <p:txBody>
+          <a:bodyPr/>
+          <a:lstStyle/>
+          <a:p>
             <a:r>
               <a:rPr lang="en-US" dirty="0" smtClean="0">
                 <a:solidFill>
@@ -7703,7 +7790,7 @@
                 </a:solidFill>
                 <a:latin typeface="Trebuchet MS" panose="020B0603020202020204" pitchFamily="34" charset="0"/>
               </a:rPr>
-              <a:t>charts across all documents</a:t>
+              <a:t>Multiple word frequency charts across all documents</a:t>
             </a:r>
           </a:p>
         </p:txBody>
@@ -8083,7 +8170,7 @@
 </p:sld>
 </file>
 
-<file path=ppt/slides/slide7.xml><?xml version="1.0" encoding="utf-8"?>
+<file path=ppt/slides/slide8.xml><?xml version="1.0" encoding="utf-8"?>
 <p:sld xmlns:a="http://schemas.openxmlformats.org/drawingml/2006/main" xmlns:r="http://schemas.openxmlformats.org/officeDocument/2006/relationships" xmlns:p="http://schemas.openxmlformats.org/presentationml/2006/main">
   <p:cSld>
     <p:spTree>
@@ -8324,7 +8411,7 @@
 </p:sld>
 </file>
 
-<file path=ppt/slides/slide8.xml><?xml version="1.0" encoding="utf-8"?>
+<file path=ppt/slides/slide9.xml><?xml version="1.0" encoding="utf-8"?>
 <p:sld xmlns:a="http://schemas.openxmlformats.org/drawingml/2006/main" xmlns:r="http://schemas.openxmlformats.org/officeDocument/2006/relationships" xmlns:p="http://schemas.openxmlformats.org/presentationml/2006/main">
   <p:cSld>
     <p:spTree>
